--- a/LCC/Java/00Java開發環境建置.pptx
+++ b/LCC/Java/00Java開發環境建置.pptx
@@ -867,7 +867,7 @@
           <a:p>
             <a:fld id="{9D5C10DA-9D88-4773-8D30-78F5C5DDFCBA}" type="datetimeFigureOut">
               <a:rPr lang="zh-TW" altLang="en-US" smtClean="0"/>
-              <a:t>2020/11/22</a:t>
+              <a:t>2020/12/27</a:t>
             </a:fld>
             <a:endParaRPr lang="zh-TW" altLang="en-US"/>
           </a:p>
@@ -1118,7 +1118,7 @@
           <a:p>
             <a:fld id="{9D5C10DA-9D88-4773-8D30-78F5C5DDFCBA}" type="datetimeFigureOut">
               <a:rPr lang="zh-TW" altLang="en-US" smtClean="0"/>
-              <a:t>2020/11/22</a:t>
+              <a:t>2020/12/27</a:t>
             </a:fld>
             <a:endParaRPr lang="zh-TW" altLang="en-US"/>
           </a:p>
@@ -1432,7 +1432,7 @@
           <a:p>
             <a:fld id="{9D5C10DA-9D88-4773-8D30-78F5C5DDFCBA}" type="datetimeFigureOut">
               <a:rPr lang="zh-TW" altLang="en-US" smtClean="0"/>
-              <a:t>2020/11/22</a:t>
+              <a:t>2020/12/27</a:t>
             </a:fld>
             <a:endParaRPr lang="zh-TW" altLang="en-US"/>
           </a:p>
@@ -1773,7 +1773,7 @@
           <a:p>
             <a:fld id="{9D5C10DA-9D88-4773-8D30-78F5C5DDFCBA}" type="datetimeFigureOut">
               <a:rPr lang="zh-TW" altLang="en-US" smtClean="0"/>
-              <a:t>2020/11/22</a:t>
+              <a:t>2020/12/27</a:t>
             </a:fld>
             <a:endParaRPr lang="zh-TW" altLang="en-US"/>
           </a:p>
@@ -2087,7 +2087,7 @@
           <a:p>
             <a:fld id="{9D5C10DA-9D88-4773-8D30-78F5C5DDFCBA}" type="datetimeFigureOut">
               <a:rPr lang="zh-TW" altLang="en-US" smtClean="0"/>
-              <a:t>2020/11/22</a:t>
+              <a:t>2020/12/27</a:t>
             </a:fld>
             <a:endParaRPr lang="zh-TW" altLang="en-US"/>
           </a:p>
@@ -2480,7 +2480,7 @@
           <a:p>
             <a:fld id="{9D5C10DA-9D88-4773-8D30-78F5C5DDFCBA}" type="datetimeFigureOut">
               <a:rPr lang="zh-TW" altLang="en-US" smtClean="0"/>
-              <a:t>2020/11/22</a:t>
+              <a:t>2020/12/27</a:t>
             </a:fld>
             <a:endParaRPr lang="zh-TW" altLang="en-US"/>
           </a:p>
@@ -2650,7 +2650,7 @@
           <a:p>
             <a:fld id="{9D5C10DA-9D88-4773-8D30-78F5C5DDFCBA}" type="datetimeFigureOut">
               <a:rPr lang="zh-TW" altLang="en-US" smtClean="0"/>
-              <a:t>2020/11/22</a:t>
+              <a:t>2020/12/27</a:t>
             </a:fld>
             <a:endParaRPr lang="zh-TW" altLang="en-US"/>
           </a:p>
@@ -2830,7 +2830,7 @@
           <a:p>
             <a:fld id="{9D5C10DA-9D88-4773-8D30-78F5C5DDFCBA}" type="datetimeFigureOut">
               <a:rPr lang="zh-TW" altLang="en-US" smtClean="0"/>
-              <a:t>2020/11/22</a:t>
+              <a:t>2020/12/27</a:t>
             </a:fld>
             <a:endParaRPr lang="zh-TW" altLang="en-US"/>
           </a:p>
@@ -3006,7 +3006,7 @@
           <a:p>
             <a:fld id="{9D5C10DA-9D88-4773-8D30-78F5C5DDFCBA}" type="datetimeFigureOut">
               <a:rPr lang="zh-TW" altLang="en-US" smtClean="0"/>
-              <a:t>2020/11/22</a:t>
+              <a:t>2020/12/27</a:t>
             </a:fld>
             <a:endParaRPr lang="zh-TW" altLang="en-US"/>
           </a:p>
@@ -3253,7 +3253,7 @@
           <a:p>
             <a:fld id="{9D5C10DA-9D88-4773-8D30-78F5C5DDFCBA}" type="datetimeFigureOut">
               <a:rPr lang="zh-TW" altLang="en-US" smtClean="0"/>
-              <a:t>2020/11/22</a:t>
+              <a:t>2020/12/27</a:t>
             </a:fld>
             <a:endParaRPr lang="zh-TW" altLang="en-US"/>
           </a:p>
@@ -3485,7 +3485,7 @@
           <a:p>
             <a:fld id="{9D5C10DA-9D88-4773-8D30-78F5C5DDFCBA}" type="datetimeFigureOut">
               <a:rPr lang="zh-TW" altLang="en-US" smtClean="0"/>
-              <a:t>2020/11/22</a:t>
+              <a:t>2020/12/27</a:t>
             </a:fld>
             <a:endParaRPr lang="zh-TW" altLang="en-US"/>
           </a:p>
@@ -3859,7 +3859,7 @@
           <a:p>
             <a:fld id="{9D5C10DA-9D88-4773-8D30-78F5C5DDFCBA}" type="datetimeFigureOut">
               <a:rPr lang="zh-TW" altLang="en-US" smtClean="0"/>
-              <a:t>2020/11/22</a:t>
+              <a:t>2020/12/27</a:t>
             </a:fld>
             <a:endParaRPr lang="zh-TW" altLang="en-US"/>
           </a:p>
@@ -3982,7 +3982,7 @@
           <a:p>
             <a:fld id="{9D5C10DA-9D88-4773-8D30-78F5C5DDFCBA}" type="datetimeFigureOut">
               <a:rPr lang="zh-TW" altLang="en-US" smtClean="0"/>
-              <a:t>2020/11/22</a:t>
+              <a:t>2020/12/27</a:t>
             </a:fld>
             <a:endParaRPr lang="zh-TW" altLang="en-US"/>
           </a:p>
@@ -4077,7 +4077,7 @@
           <a:p>
             <a:fld id="{9D5C10DA-9D88-4773-8D30-78F5C5DDFCBA}" type="datetimeFigureOut">
               <a:rPr lang="zh-TW" altLang="en-US" smtClean="0"/>
-              <a:t>2020/11/22</a:t>
+              <a:t>2020/12/27</a:t>
             </a:fld>
             <a:endParaRPr lang="zh-TW" altLang="en-US"/>
           </a:p>
@@ -4332,7 +4332,7 @@
           <a:p>
             <a:fld id="{9D5C10DA-9D88-4773-8D30-78F5C5DDFCBA}" type="datetimeFigureOut">
               <a:rPr lang="zh-TW" altLang="en-US" smtClean="0"/>
-              <a:t>2020/11/22</a:t>
+              <a:t>2020/12/27</a:t>
             </a:fld>
             <a:endParaRPr lang="zh-TW" altLang="en-US"/>
           </a:p>
@@ -4595,7 +4595,7 @@
           <a:p>
             <a:fld id="{9D5C10DA-9D88-4773-8D30-78F5C5DDFCBA}" type="datetimeFigureOut">
               <a:rPr lang="zh-TW" altLang="en-US" smtClean="0"/>
-              <a:t>2020/11/22</a:t>
+              <a:t>2020/12/27</a:t>
             </a:fld>
             <a:endParaRPr lang="zh-TW" altLang="en-US"/>
           </a:p>
@@ -5338,7 +5338,7 @@
           <a:p>
             <a:fld id="{9D5C10DA-9D88-4773-8D30-78F5C5DDFCBA}" type="datetimeFigureOut">
               <a:rPr lang="zh-TW" altLang="en-US" smtClean="0"/>
-              <a:t>2020/11/22</a:t>
+              <a:t>2020/12/27</a:t>
             </a:fld>
             <a:endParaRPr lang="zh-TW" altLang="en-US"/>
           </a:p>
@@ -5420,6 +5420,47 @@
           </a:p>
         </p:txBody>
       </p:sp>
+      <p:pic>
+        <p:nvPicPr>
+          <p:cNvPr id="18" name="Picture 4" descr="Java 9至12的一些新功能（第一集） - 英國金融界Programmer求職求學記"/>
+          <p:cNvPicPr>
+            <a:picLocks noChangeAspect="1" noChangeArrowheads="1"/>
+          </p:cNvPicPr>
+          <p:nvPr userDrawn="1"/>
+        </p:nvPicPr>
+        <p:blipFill>
+          <a:blip r:embed="rId18" cstate="print">
+            <a:extLst>
+              <a:ext uri="{28A0092B-C50C-407E-A947-70E740481C1C}">
+                <a14:useLocalDpi xmlns:a14="http://schemas.microsoft.com/office/drawing/2010/main" val="0"/>
+              </a:ext>
+            </a:extLst>
+          </a:blip>
+          <a:srcRect/>
+          <a:stretch>
+            <a:fillRect/>
+          </a:stretch>
+        </p:blipFill>
+        <p:spPr bwMode="auto">
+          <a:xfrm>
+            <a:off x="168306" y="10541"/>
+            <a:ext cx="835742" cy="467868"/>
+          </a:xfrm>
+          <a:prstGeom prst="rect">
+            <a:avLst/>
+          </a:prstGeom>
+          <a:noFill/>
+          <a:extLst>
+            <a:ext uri="{909E8E84-426E-40DD-AFC4-6F175D3DCCD1}">
+              <a14:hiddenFill xmlns:a14="http://schemas.microsoft.com/office/drawing/2010/main">
+                <a:solidFill>
+                  <a:srgbClr val="FFFFFF"/>
+                </a:solidFill>
+              </a14:hiddenFill>
+            </a:ext>
+          </a:extLst>
+        </p:spPr>
+      </p:pic>
     </p:spTree>
     <p:extLst>
       <p:ext uri="{BB962C8B-B14F-4D97-AF65-F5344CB8AC3E}">
@@ -5951,6 +5992,47 @@
           </a:p>
         </p:txBody>
       </p:sp>
+      <p:pic>
+        <p:nvPicPr>
+          <p:cNvPr id="4" name="Picture 2" descr="Java 9至12的一些新功能（第一集） - 英國金融界Programmer求職求學記"/>
+          <p:cNvPicPr>
+            <a:picLocks noChangeAspect="1" noChangeArrowheads="1"/>
+          </p:cNvPicPr>
+          <p:nvPr/>
+        </p:nvPicPr>
+        <p:blipFill>
+          <a:blip r:embed="rId2" cstate="print">
+            <a:extLst>
+              <a:ext uri="{28A0092B-C50C-407E-A947-70E740481C1C}">
+                <a14:useLocalDpi xmlns:a14="http://schemas.microsoft.com/office/drawing/2010/main" val="0"/>
+              </a:ext>
+            </a:extLst>
+          </a:blip>
+          <a:srcRect/>
+          <a:stretch>
+            <a:fillRect/>
+          </a:stretch>
+        </p:blipFill>
+        <p:spPr bwMode="auto">
+          <a:xfrm>
+            <a:off x="745511" y="3383130"/>
+            <a:ext cx="4151248" cy="2323969"/>
+          </a:xfrm>
+          <a:prstGeom prst="rect">
+            <a:avLst/>
+          </a:prstGeom>
+          <a:noFill/>
+          <a:extLst>
+            <a:ext uri="{909E8E84-426E-40DD-AFC4-6F175D3DCCD1}">
+              <a14:hiddenFill xmlns:a14="http://schemas.microsoft.com/office/drawing/2010/main">
+                <a:solidFill>
+                  <a:srgbClr val="FFFFFF"/>
+                </a:solidFill>
+              </a14:hiddenFill>
+            </a:ext>
+          </a:extLst>
+        </p:spPr>
+      </p:pic>
     </p:spTree>
     <p:extLst>
       <p:ext uri="{BB962C8B-B14F-4D97-AF65-F5344CB8AC3E}">
